--- a/Backup/AzureCloud/Cloud computing fundamental for Azure.pptx
+++ b/Backup/AzureCloud/Cloud computing fundamental for Azure.pptx
@@ -15,6 +15,7 @@
     <p:sldId id="264" r:id="rId9"/>
     <p:sldId id="265" r:id="rId10"/>
     <p:sldId id="266" r:id="rId11"/>
+    <p:sldId id="267" r:id="rId12"/>
   </p:sldIdLst>
   <p:sldSz cx="12192000" cy="6858000"/>
   <p:notesSz cx="6858000" cy="9144000"/>
@@ -113,6 +114,11 @@
       </a:defRPr>
     </a:lvl9pPr>
   </p:defaultTextStyle>
+  <p:extLst>
+    <p:ext uri="{EFAFB233-063F-42B5-8137-9DF3F51BA10A}">
+      <p15:sldGuideLst xmlns:p15="http://schemas.microsoft.com/office/powerpoint/2012/main"/>
+    </p:ext>
+  </p:extLst>
 </p:presentation>
 </file>
 
@@ -3510,6 +3516,100 @@
     <p:extLst>
       <p:ext uri="{BB962C8B-B14F-4D97-AF65-F5344CB8AC3E}">
         <p14:creationId xmlns:p14="http://schemas.microsoft.com/office/powerpoint/2010/main" val="1928862298"/>
+      </p:ext>
+    </p:extLst>
+  </p:cSld>
+  <p:clrMapOvr>
+    <a:masterClrMapping/>
+  </p:clrMapOvr>
+</p:sld>
+</file>
+
+<file path=ppt/slides/slide11.xml><?xml version="1.0" encoding="utf-8"?>
+<p:sld xmlns:a="http://schemas.openxmlformats.org/drawingml/2006/main" xmlns:r="http://schemas.openxmlformats.org/officeDocument/2006/relationships" xmlns:p="http://schemas.openxmlformats.org/presentationml/2006/main">
+  <p:cSld>
+    <p:spTree>
+      <p:nvGrpSpPr>
+        <p:cNvPr id="1" name=""/>
+        <p:cNvGrpSpPr/>
+        <p:nvPr/>
+      </p:nvGrpSpPr>
+      <p:grpSpPr>
+        <a:xfrm>
+          <a:off x="0" y="0"/>
+          <a:ext cx="0" cy="0"/>
+          <a:chOff x="0" y="0"/>
+          <a:chExt cx="0" cy="0"/>
+        </a:xfrm>
+      </p:grpSpPr>
+      <p:sp>
+        <p:nvSpPr>
+          <p:cNvPr id="2" name="Title 1">
+            <a:extLst>
+              <a:ext uri="{FF2B5EF4-FFF2-40B4-BE49-F238E27FC236}">
+                <a16:creationId xmlns:a16="http://schemas.microsoft.com/office/drawing/2014/main" id="{A9C47411-7AEC-1331-411B-CE051E213583}"/>
+              </a:ext>
+            </a:extLst>
+          </p:cNvPr>
+          <p:cNvSpPr>
+            <a:spLocks noGrp="1"/>
+          </p:cNvSpPr>
+          <p:nvPr>
+            <p:ph type="title"/>
+          </p:nvPr>
+        </p:nvSpPr>
+        <p:spPr/>
+        <p:txBody>
+          <a:bodyPr/>
+          <a:lstStyle/>
+          <a:p>
+            <a:r>
+              <a:rPr lang="en-IN" dirty="0"/>
+              <a:t>Hypervisor</a:t>
+            </a:r>
+          </a:p>
+        </p:txBody>
+      </p:sp>
+      <p:pic>
+        <p:nvPicPr>
+          <p:cNvPr id="4" name="Picture 3">
+            <a:extLst>
+              <a:ext uri="{FF2B5EF4-FFF2-40B4-BE49-F238E27FC236}">
+                <a16:creationId xmlns:a16="http://schemas.microsoft.com/office/drawing/2014/main" id="{3B1EBB05-BF9D-D97B-97D3-94C28F8BDFA8}"/>
+              </a:ext>
+            </a:extLst>
+          </p:cNvPr>
+          <p:cNvPicPr>
+            <a:picLocks noChangeAspect="1"/>
+          </p:cNvPicPr>
+          <p:nvPr/>
+        </p:nvPicPr>
+        <p:blipFill>
+          <a:blip r:embed="rId2">
+            <a:extLst>
+              <a:ext uri="{28A0092B-C50C-407E-A947-70E740481C1C}">
+                <a14:useLocalDpi xmlns:a14="http://schemas.microsoft.com/office/drawing/2010/main" val="0"/>
+              </a:ext>
+            </a:extLst>
+          </a:blip>
+          <a:stretch>
+            <a:fillRect/>
+          </a:stretch>
+        </p:blipFill>
+        <p:spPr>
+          <a:xfrm>
+            <a:off x="722154" y="594290"/>
+            <a:ext cx="10546249" cy="5669420"/>
+          </a:xfrm>
+          <a:prstGeom prst="rect">
+            <a:avLst/>
+          </a:prstGeom>
+        </p:spPr>
+      </p:pic>
+    </p:spTree>
+    <p:extLst>
+      <p:ext uri="{BB962C8B-B14F-4D97-AF65-F5344CB8AC3E}">
+        <p14:creationId xmlns:p14="http://schemas.microsoft.com/office/powerpoint/2010/main" val="3699835329"/>
       </p:ext>
     </p:extLst>
   </p:cSld>

--- a/Backup/AzureCloud/Cloud computing fundamental for Azure.pptx
+++ b/Backup/AzureCloud/Cloud computing fundamental for Azure.pptx
@@ -10,12 +10,8 @@
     <p:sldId id="259" r:id="rId4"/>
     <p:sldId id="260" r:id="rId5"/>
     <p:sldId id="261" r:id="rId6"/>
-    <p:sldId id="262" r:id="rId7"/>
-    <p:sldId id="263" r:id="rId8"/>
-    <p:sldId id="264" r:id="rId9"/>
-    <p:sldId id="265" r:id="rId10"/>
-    <p:sldId id="266" r:id="rId11"/>
-    <p:sldId id="267" r:id="rId12"/>
+    <p:sldId id="266" r:id="rId7"/>
+    <p:sldId id="267" r:id="rId8"/>
   </p:sldIdLst>
   <p:sldSz cx="12192000" cy="6858000"/>
   <p:notesSz cx="6858000" cy="9144000"/>
@@ -271,7 +267,7 @@
           <a:p>
             <a:fld id="{332C8518-014B-47DE-BBD2-16A6738DF27B}" type="datetimeFigureOut">
               <a:rPr lang="en-IN" smtClean="0"/>
-              <a:t>10-06-2024</a:t>
+              <a:t>12-06-2024</a:t>
             </a:fld>
             <a:endParaRPr lang="en-IN"/>
           </a:p>
@@ -471,7 +467,7 @@
           <a:p>
             <a:fld id="{332C8518-014B-47DE-BBD2-16A6738DF27B}" type="datetimeFigureOut">
               <a:rPr lang="en-IN" smtClean="0"/>
-              <a:t>10-06-2024</a:t>
+              <a:t>12-06-2024</a:t>
             </a:fld>
             <a:endParaRPr lang="en-IN"/>
           </a:p>
@@ -681,7 +677,7 @@
           <a:p>
             <a:fld id="{332C8518-014B-47DE-BBD2-16A6738DF27B}" type="datetimeFigureOut">
               <a:rPr lang="en-IN" smtClean="0"/>
-              <a:t>10-06-2024</a:t>
+              <a:t>12-06-2024</a:t>
             </a:fld>
             <a:endParaRPr lang="en-IN"/>
           </a:p>
@@ -881,7 +877,7 @@
           <a:p>
             <a:fld id="{332C8518-014B-47DE-BBD2-16A6738DF27B}" type="datetimeFigureOut">
               <a:rPr lang="en-IN" smtClean="0"/>
-              <a:t>10-06-2024</a:t>
+              <a:t>12-06-2024</a:t>
             </a:fld>
             <a:endParaRPr lang="en-IN"/>
           </a:p>
@@ -1157,7 +1153,7 @@
           <a:p>
             <a:fld id="{332C8518-014B-47DE-BBD2-16A6738DF27B}" type="datetimeFigureOut">
               <a:rPr lang="en-IN" smtClean="0"/>
-              <a:t>10-06-2024</a:t>
+              <a:t>12-06-2024</a:t>
             </a:fld>
             <a:endParaRPr lang="en-IN"/>
           </a:p>
@@ -1425,7 +1421,7 @@
           <a:p>
             <a:fld id="{332C8518-014B-47DE-BBD2-16A6738DF27B}" type="datetimeFigureOut">
               <a:rPr lang="en-IN" smtClean="0"/>
-              <a:t>10-06-2024</a:t>
+              <a:t>12-06-2024</a:t>
             </a:fld>
             <a:endParaRPr lang="en-IN"/>
           </a:p>
@@ -1840,7 +1836,7 @@
           <a:p>
             <a:fld id="{332C8518-014B-47DE-BBD2-16A6738DF27B}" type="datetimeFigureOut">
               <a:rPr lang="en-IN" smtClean="0"/>
-              <a:t>10-06-2024</a:t>
+              <a:t>12-06-2024</a:t>
             </a:fld>
             <a:endParaRPr lang="en-IN"/>
           </a:p>
@@ -1982,7 +1978,7 @@
           <a:p>
             <a:fld id="{332C8518-014B-47DE-BBD2-16A6738DF27B}" type="datetimeFigureOut">
               <a:rPr lang="en-IN" smtClean="0"/>
-              <a:t>10-06-2024</a:t>
+              <a:t>12-06-2024</a:t>
             </a:fld>
             <a:endParaRPr lang="en-IN"/>
           </a:p>
@@ -2095,7 +2091,7 @@
           <a:p>
             <a:fld id="{332C8518-014B-47DE-BBD2-16A6738DF27B}" type="datetimeFigureOut">
               <a:rPr lang="en-IN" smtClean="0"/>
-              <a:t>10-06-2024</a:t>
+              <a:t>12-06-2024</a:t>
             </a:fld>
             <a:endParaRPr lang="en-IN"/>
           </a:p>
@@ -2408,7 +2404,7 @@
           <a:p>
             <a:fld id="{332C8518-014B-47DE-BBD2-16A6738DF27B}" type="datetimeFigureOut">
               <a:rPr lang="en-IN" smtClean="0"/>
-              <a:t>10-06-2024</a:t>
+              <a:t>12-06-2024</a:t>
             </a:fld>
             <a:endParaRPr lang="en-IN"/>
           </a:p>
@@ -2697,7 +2693,7 @@
           <a:p>
             <a:fld id="{332C8518-014B-47DE-BBD2-16A6738DF27B}" type="datetimeFigureOut">
               <a:rPr lang="en-IN" smtClean="0"/>
-              <a:t>10-06-2024</a:t>
+              <a:t>12-06-2024</a:t>
             </a:fld>
             <a:endParaRPr lang="en-IN"/>
           </a:p>
@@ -2940,7 +2936,7 @@
           <a:p>
             <a:fld id="{332C8518-014B-47DE-BBD2-16A6738DF27B}" type="datetimeFigureOut">
               <a:rPr lang="en-IN" smtClean="0"/>
-              <a:t>10-06-2024</a:t>
+              <a:t>12-06-2024</a:t>
             </a:fld>
             <a:endParaRPr lang="en-IN"/>
           </a:p>
@@ -3432,193 +3428,6 @@
 </p:sld>
 </file>
 
-<file path=ppt/slides/slide10.xml><?xml version="1.0" encoding="utf-8"?>
-<p:sld xmlns:a="http://schemas.openxmlformats.org/drawingml/2006/main" xmlns:r="http://schemas.openxmlformats.org/officeDocument/2006/relationships" xmlns:p="http://schemas.openxmlformats.org/presentationml/2006/main">
-  <p:cSld>
-    <p:spTree>
-      <p:nvGrpSpPr>
-        <p:cNvPr id="1" name=""/>
-        <p:cNvGrpSpPr/>
-        <p:nvPr/>
-      </p:nvGrpSpPr>
-      <p:grpSpPr>
-        <a:xfrm>
-          <a:off x="0" y="0"/>
-          <a:ext cx="0" cy="0"/>
-          <a:chOff x="0" y="0"/>
-          <a:chExt cx="0" cy="0"/>
-        </a:xfrm>
-      </p:grpSpPr>
-      <p:sp>
-        <p:nvSpPr>
-          <p:cNvPr id="2" name="Title 1">
-            <a:extLst>
-              <a:ext uri="{FF2B5EF4-FFF2-40B4-BE49-F238E27FC236}">
-                <a16:creationId xmlns:a16="http://schemas.microsoft.com/office/drawing/2014/main" id="{14D7315E-1EF2-F308-F55B-9297C6B3990F}"/>
-              </a:ext>
-            </a:extLst>
-          </p:cNvPr>
-          <p:cNvSpPr>
-            <a:spLocks noGrp="1"/>
-          </p:cNvSpPr>
-          <p:nvPr>
-            <p:ph type="title"/>
-          </p:nvPr>
-        </p:nvSpPr>
-        <p:spPr/>
-        <p:txBody>
-          <a:bodyPr/>
-          <a:lstStyle/>
-          <a:p>
-            <a:r>
-              <a:rPr lang="en-IN" dirty="0"/>
-              <a:t>Deep Drive into Hardware</a:t>
-            </a:r>
-          </a:p>
-        </p:txBody>
-      </p:sp>
-      <p:pic>
-        <p:nvPicPr>
-          <p:cNvPr id="5" name="Content Placeholder 4">
-            <a:extLst>
-              <a:ext uri="{FF2B5EF4-FFF2-40B4-BE49-F238E27FC236}">
-                <a16:creationId xmlns:a16="http://schemas.microsoft.com/office/drawing/2014/main" id="{901ECB91-25A6-0EED-BBB6-4720F80CE12B}"/>
-              </a:ext>
-            </a:extLst>
-          </p:cNvPr>
-          <p:cNvPicPr>
-            <a:picLocks noGrp="1" noChangeAspect="1"/>
-          </p:cNvPicPr>
-          <p:nvPr>
-            <p:ph idx="1"/>
-          </p:nvPr>
-        </p:nvPicPr>
-        <p:blipFill>
-          <a:blip r:embed="rId2">
-            <a:extLst>
-              <a:ext uri="{28A0092B-C50C-407E-A947-70E740481C1C}">
-                <a14:useLocalDpi xmlns:a14="http://schemas.microsoft.com/office/drawing/2010/main" val="0"/>
-              </a:ext>
-            </a:extLst>
-          </a:blip>
-          <a:stretch>
-            <a:fillRect/>
-          </a:stretch>
-        </p:blipFill>
-        <p:spPr>
-          <a:xfrm>
-            <a:off x="3662393" y="1690688"/>
-            <a:ext cx="4332958" cy="4351338"/>
-          </a:xfrm>
-        </p:spPr>
-      </p:pic>
-    </p:spTree>
-    <p:extLst>
-      <p:ext uri="{BB962C8B-B14F-4D97-AF65-F5344CB8AC3E}">
-        <p14:creationId xmlns:p14="http://schemas.microsoft.com/office/powerpoint/2010/main" val="1928862298"/>
-      </p:ext>
-    </p:extLst>
-  </p:cSld>
-  <p:clrMapOvr>
-    <a:masterClrMapping/>
-  </p:clrMapOvr>
-</p:sld>
-</file>
-
-<file path=ppt/slides/slide11.xml><?xml version="1.0" encoding="utf-8"?>
-<p:sld xmlns:a="http://schemas.openxmlformats.org/drawingml/2006/main" xmlns:r="http://schemas.openxmlformats.org/officeDocument/2006/relationships" xmlns:p="http://schemas.openxmlformats.org/presentationml/2006/main">
-  <p:cSld>
-    <p:spTree>
-      <p:nvGrpSpPr>
-        <p:cNvPr id="1" name=""/>
-        <p:cNvGrpSpPr/>
-        <p:nvPr/>
-      </p:nvGrpSpPr>
-      <p:grpSpPr>
-        <a:xfrm>
-          <a:off x="0" y="0"/>
-          <a:ext cx="0" cy="0"/>
-          <a:chOff x="0" y="0"/>
-          <a:chExt cx="0" cy="0"/>
-        </a:xfrm>
-      </p:grpSpPr>
-      <p:sp>
-        <p:nvSpPr>
-          <p:cNvPr id="2" name="Title 1">
-            <a:extLst>
-              <a:ext uri="{FF2B5EF4-FFF2-40B4-BE49-F238E27FC236}">
-                <a16:creationId xmlns:a16="http://schemas.microsoft.com/office/drawing/2014/main" id="{A9C47411-7AEC-1331-411B-CE051E213583}"/>
-              </a:ext>
-            </a:extLst>
-          </p:cNvPr>
-          <p:cNvSpPr>
-            <a:spLocks noGrp="1"/>
-          </p:cNvSpPr>
-          <p:nvPr>
-            <p:ph type="title"/>
-          </p:nvPr>
-        </p:nvSpPr>
-        <p:spPr/>
-        <p:txBody>
-          <a:bodyPr/>
-          <a:lstStyle/>
-          <a:p>
-            <a:r>
-              <a:rPr lang="en-IN" dirty="0"/>
-              <a:t>Hypervisor</a:t>
-            </a:r>
-          </a:p>
-        </p:txBody>
-      </p:sp>
-      <p:pic>
-        <p:nvPicPr>
-          <p:cNvPr id="4" name="Picture 3">
-            <a:extLst>
-              <a:ext uri="{FF2B5EF4-FFF2-40B4-BE49-F238E27FC236}">
-                <a16:creationId xmlns:a16="http://schemas.microsoft.com/office/drawing/2014/main" id="{3B1EBB05-BF9D-D97B-97D3-94C28F8BDFA8}"/>
-              </a:ext>
-            </a:extLst>
-          </p:cNvPr>
-          <p:cNvPicPr>
-            <a:picLocks noChangeAspect="1"/>
-          </p:cNvPicPr>
-          <p:nvPr/>
-        </p:nvPicPr>
-        <p:blipFill>
-          <a:blip r:embed="rId2">
-            <a:extLst>
-              <a:ext uri="{28A0092B-C50C-407E-A947-70E740481C1C}">
-                <a14:useLocalDpi xmlns:a14="http://schemas.microsoft.com/office/drawing/2010/main" val="0"/>
-              </a:ext>
-            </a:extLst>
-          </a:blip>
-          <a:stretch>
-            <a:fillRect/>
-          </a:stretch>
-        </p:blipFill>
-        <p:spPr>
-          <a:xfrm>
-            <a:off x="722154" y="594290"/>
-            <a:ext cx="10546249" cy="5669420"/>
-          </a:xfrm>
-          <a:prstGeom prst="rect">
-            <a:avLst/>
-          </a:prstGeom>
-        </p:spPr>
-      </p:pic>
-    </p:spTree>
-    <p:extLst>
-      <p:ext uri="{BB962C8B-B14F-4D97-AF65-F5344CB8AC3E}">
-        <p14:creationId xmlns:p14="http://schemas.microsoft.com/office/powerpoint/2010/main" val="3699835329"/>
-      </p:ext>
-    </p:extLst>
-  </p:cSld>
-  <p:clrMapOvr>
-    <a:masterClrMapping/>
-  </p:clrMapOvr>
-</p:sld>
-</file>
-
 <file path=ppt/slides/slide2.xml><?xml version="1.0" encoding="utf-8"?>
 <p:sld xmlns:a="http://schemas.openxmlformats.org/drawingml/2006/main" xmlns:r="http://schemas.openxmlformats.org/officeDocument/2006/relationships" xmlns:p="http://schemas.openxmlformats.org/presentationml/2006/main">
   <p:cSld>
@@ -4035,7 +3844,7 @@
           <p:cNvPr id="2" name="Title 1">
             <a:extLst>
               <a:ext uri="{FF2B5EF4-FFF2-40B4-BE49-F238E27FC236}">
-                <a16:creationId xmlns:a16="http://schemas.microsoft.com/office/drawing/2014/main" id="{1D30DE8E-0BE7-FEC8-9ACB-B7CDB28C3B5E}"/>
+                <a16:creationId xmlns:a16="http://schemas.microsoft.com/office/drawing/2014/main" id="{14D7315E-1EF2-F308-F55B-9297C6B3990F}"/>
               </a:ext>
             </a:extLst>
           </p:cNvPr>
@@ -4053,46 +3862,50 @@
           <a:p>
             <a:r>
               <a:rPr lang="en-IN" dirty="0"/>
-              <a:t>Application</a:t>
-            </a:r>
-          </a:p>
-        </p:txBody>
-      </p:sp>
-      <p:sp>
-        <p:nvSpPr>
-          <p:cNvPr id="3" name="Content Placeholder 2">
-            <a:extLst>
-              <a:ext uri="{FF2B5EF4-FFF2-40B4-BE49-F238E27FC236}">
-                <a16:creationId xmlns:a16="http://schemas.microsoft.com/office/drawing/2014/main" id="{46DB9BC5-6A5E-5DD9-8D4D-0EFCA1FF488C}"/>
-              </a:ext>
-            </a:extLst>
-          </p:cNvPr>
-          <p:cNvSpPr>
-            <a:spLocks noGrp="1"/>
-          </p:cNvSpPr>
+              <a:t>Deep Drive into Hardware</a:t>
+            </a:r>
+          </a:p>
+        </p:txBody>
+      </p:sp>
+      <p:pic>
+        <p:nvPicPr>
+          <p:cNvPr id="5" name="Content Placeholder 4">
+            <a:extLst>
+              <a:ext uri="{FF2B5EF4-FFF2-40B4-BE49-F238E27FC236}">
+                <a16:creationId xmlns:a16="http://schemas.microsoft.com/office/drawing/2014/main" id="{901ECB91-25A6-0EED-BBB6-4720F80CE12B}"/>
+              </a:ext>
+            </a:extLst>
+          </p:cNvPr>
+          <p:cNvPicPr>
+            <a:picLocks noGrp="1" noChangeAspect="1"/>
+          </p:cNvPicPr>
           <p:nvPr>
             <p:ph idx="1"/>
           </p:nvPr>
-        </p:nvSpPr>
-        <p:spPr/>
-        <p:txBody>
-          <a:bodyPr/>
-          <a:lstStyle/>
-          <a:p>
-            <a:pPr marL="0" indent="0">
-              <a:buNone/>
-            </a:pPr>
-            <a:r>
-              <a:rPr lang="en-IN" dirty="0"/>
-              <a:t>Peace of code that is written for specific purpose</a:t>
-            </a:r>
-          </a:p>
-        </p:txBody>
-      </p:sp>
+        </p:nvPicPr>
+        <p:blipFill>
+          <a:blip r:embed="rId2">
+            <a:extLst>
+              <a:ext uri="{28A0092B-C50C-407E-A947-70E740481C1C}">
+                <a14:useLocalDpi xmlns:a14="http://schemas.microsoft.com/office/drawing/2010/main" val="0"/>
+              </a:ext>
+            </a:extLst>
+          </a:blip>
+          <a:stretch>
+            <a:fillRect/>
+          </a:stretch>
+        </p:blipFill>
+        <p:spPr>
+          <a:xfrm>
+            <a:off x="3662393" y="1690688"/>
+            <a:ext cx="4332958" cy="4351338"/>
+          </a:xfrm>
+        </p:spPr>
+      </p:pic>
     </p:spTree>
     <p:extLst>
       <p:ext uri="{BB962C8B-B14F-4D97-AF65-F5344CB8AC3E}">
-        <p14:creationId xmlns:p14="http://schemas.microsoft.com/office/powerpoint/2010/main" val="1146558684"/>
+        <p14:creationId xmlns:p14="http://schemas.microsoft.com/office/powerpoint/2010/main" val="1928862298"/>
       </p:ext>
     </p:extLst>
   </p:cSld>
@@ -4124,7 +3937,7 @@
           <p:cNvPr id="2" name="Title 1">
             <a:extLst>
               <a:ext uri="{FF2B5EF4-FFF2-40B4-BE49-F238E27FC236}">
-                <a16:creationId xmlns:a16="http://schemas.microsoft.com/office/drawing/2014/main" id="{0349B9BC-1B49-DA79-BB7B-7FBA2173918A}"/>
+                <a16:creationId xmlns:a16="http://schemas.microsoft.com/office/drawing/2014/main" id="{A9C47411-7AEC-1331-411B-CE051E213583}"/>
               </a:ext>
             </a:extLst>
           </p:cNvPr>
@@ -4142,60 +3955,17 @@
           <a:p>
             <a:r>
               <a:rPr lang="en-IN" dirty="0"/>
-              <a:t>Spring pet clinic</a:t>
-            </a:r>
-          </a:p>
-        </p:txBody>
-      </p:sp>
-      <p:sp>
-        <p:nvSpPr>
-          <p:cNvPr id="3" name="Content Placeholder 2">
-            <a:extLst>
-              <a:ext uri="{FF2B5EF4-FFF2-40B4-BE49-F238E27FC236}">
-                <a16:creationId xmlns:a16="http://schemas.microsoft.com/office/drawing/2014/main" id="{7E4AE3FD-9AEF-C20D-9A31-48C06CE8BA96}"/>
-              </a:ext>
-            </a:extLst>
-          </p:cNvPr>
-          <p:cNvSpPr>
-            <a:spLocks noGrp="1"/>
-          </p:cNvSpPr>
-          <p:nvPr>
-            <p:ph idx="1"/>
-          </p:nvPr>
-        </p:nvSpPr>
-        <p:spPr/>
-        <p:txBody>
-          <a:bodyPr/>
-          <a:lstStyle/>
-          <a:p>
-            <a:pPr marL="0" indent="0">
-              <a:buNone/>
-            </a:pPr>
-            <a:r>
-              <a:rPr lang="en-IN" dirty="0"/>
-              <a:t>Application that is designed for taking care of pets and plants.</a:t>
-            </a:r>
-          </a:p>
-          <a:p>
-            <a:pPr marL="0" indent="0">
-              <a:buNone/>
-            </a:pPr>
-            <a:endParaRPr lang="en-IN" dirty="0"/>
-          </a:p>
-          <a:p>
-            <a:pPr marL="0" indent="0">
-              <a:buNone/>
-            </a:pPr>
-            <a:endParaRPr lang="en-IN" dirty="0"/>
+              <a:t>Hypervisor</a:t>
+            </a:r>
           </a:p>
         </p:txBody>
       </p:sp>
       <p:pic>
         <p:nvPicPr>
-          <p:cNvPr id="5" name="Picture 4">
-            <a:extLst>
-              <a:ext uri="{FF2B5EF4-FFF2-40B4-BE49-F238E27FC236}">
-                <a16:creationId xmlns:a16="http://schemas.microsoft.com/office/drawing/2014/main" id="{F3CA0105-5DE7-BB51-E90A-D9365E130522}"/>
+          <p:cNvPr id="4" name="Picture 3">
+            <a:extLst>
+              <a:ext uri="{FF2B5EF4-FFF2-40B4-BE49-F238E27FC236}">
+                <a16:creationId xmlns:a16="http://schemas.microsoft.com/office/drawing/2014/main" id="{3B1EBB05-BF9D-D97B-97D3-94C28F8BDFA8}"/>
               </a:ext>
             </a:extLst>
           </p:cNvPr>
@@ -4205,15 +3975,21 @@
           <p:nvPr/>
         </p:nvPicPr>
         <p:blipFill>
-          <a:blip r:embed="rId2"/>
+          <a:blip r:embed="rId2">
+            <a:extLst>
+              <a:ext uri="{28A0092B-C50C-407E-A947-70E740481C1C}">
+                <a14:useLocalDpi xmlns:a14="http://schemas.microsoft.com/office/drawing/2010/main" val="0"/>
+              </a:ext>
+            </a:extLst>
+          </a:blip>
           <a:stretch>
             <a:fillRect/>
           </a:stretch>
         </p:blipFill>
         <p:spPr>
           <a:xfrm>
-            <a:off x="2691830" y="2497649"/>
-            <a:ext cx="5732980" cy="3423224"/>
+            <a:off x="722154" y="594290"/>
+            <a:ext cx="10546249" cy="5669420"/>
           </a:xfrm>
           <a:prstGeom prst="rect">
             <a:avLst/>
@@ -4223,164 +3999,7 @@
     </p:spTree>
     <p:extLst>
       <p:ext uri="{BB962C8B-B14F-4D97-AF65-F5344CB8AC3E}">
-        <p14:creationId xmlns:p14="http://schemas.microsoft.com/office/powerpoint/2010/main" val="3347404216"/>
-      </p:ext>
-    </p:extLst>
-  </p:cSld>
-  <p:clrMapOvr>
-    <a:masterClrMapping/>
-  </p:clrMapOvr>
-</p:sld>
-</file>
-
-<file path=ppt/slides/slide8.xml><?xml version="1.0" encoding="utf-8"?>
-<p:sld xmlns:a="http://schemas.openxmlformats.org/drawingml/2006/main" xmlns:r="http://schemas.openxmlformats.org/officeDocument/2006/relationships" xmlns:p="http://schemas.openxmlformats.org/presentationml/2006/main">
-  <p:cSld>
-    <p:spTree>
-      <p:nvGrpSpPr>
-        <p:cNvPr id="1" name=""/>
-        <p:cNvGrpSpPr/>
-        <p:nvPr/>
-      </p:nvGrpSpPr>
-      <p:grpSpPr>
-        <a:xfrm>
-          <a:off x="0" y="0"/>
-          <a:ext cx="0" cy="0"/>
-          <a:chOff x="0" y="0"/>
-          <a:chExt cx="0" cy="0"/>
-        </a:xfrm>
-      </p:grpSpPr>
-      <p:sp>
-        <p:nvSpPr>
-          <p:cNvPr id="2" name="Title 1">
-            <a:extLst>
-              <a:ext uri="{FF2B5EF4-FFF2-40B4-BE49-F238E27FC236}">
-                <a16:creationId xmlns:a16="http://schemas.microsoft.com/office/drawing/2014/main" id="{931E4161-02E1-84B1-B9C4-E66A3D68FE89}"/>
-              </a:ext>
-            </a:extLst>
-          </p:cNvPr>
-          <p:cNvSpPr>
-            <a:spLocks noGrp="1"/>
-          </p:cNvSpPr>
-          <p:nvPr>
-            <p:ph type="title"/>
-          </p:nvPr>
-        </p:nvSpPr>
-        <p:spPr/>
-        <p:txBody>
-          <a:bodyPr/>
-          <a:lstStyle/>
-          <a:p>
-            <a:r>
-              <a:rPr lang="en-IN" dirty="0"/>
-              <a:t>E-learning portal</a:t>
-            </a:r>
-          </a:p>
-        </p:txBody>
-      </p:sp>
-      <p:sp>
-        <p:nvSpPr>
-          <p:cNvPr id="3" name="Content Placeholder 2">
-            <a:extLst>
-              <a:ext uri="{FF2B5EF4-FFF2-40B4-BE49-F238E27FC236}">
-                <a16:creationId xmlns:a16="http://schemas.microsoft.com/office/drawing/2014/main" id="{C4FDB46F-3101-159D-132B-4D54791E96F3}"/>
-              </a:ext>
-            </a:extLst>
-          </p:cNvPr>
-          <p:cNvSpPr>
-            <a:spLocks noGrp="1"/>
-          </p:cNvSpPr>
-          <p:nvPr>
-            <p:ph idx="1"/>
-          </p:nvPr>
-        </p:nvSpPr>
-        <p:spPr/>
-        <p:txBody>
-          <a:bodyPr/>
-          <a:lstStyle/>
-          <a:p>
-            <a:pPr marL="0" indent="0">
-              <a:buNone/>
-            </a:pPr>
-            <a:r>
-              <a:rPr lang="en-IN" dirty="0"/>
-              <a:t>An eLearning portal is </a:t>
-            </a:r>
-            <a:r>
-              <a:rPr lang="en-IN" b="1" dirty="0"/>
-              <a:t>a website that offers learners interaction and collaboration on eLearning content like courses, presentations, podcasts and tests as well as content management for eLearning providers</a:t>
-            </a:r>
-            <a:r>
-              <a:rPr lang="en-IN" dirty="0"/>
-              <a:t>.</a:t>
-            </a:r>
-          </a:p>
-        </p:txBody>
-      </p:sp>
-    </p:spTree>
-    <p:extLst>
-      <p:ext uri="{BB962C8B-B14F-4D97-AF65-F5344CB8AC3E}">
-        <p14:creationId xmlns:p14="http://schemas.microsoft.com/office/powerpoint/2010/main" val="1151484550"/>
-      </p:ext>
-    </p:extLst>
-  </p:cSld>
-  <p:clrMapOvr>
-    <a:masterClrMapping/>
-  </p:clrMapOvr>
-</p:sld>
-</file>
-
-<file path=ppt/slides/slide9.xml><?xml version="1.0" encoding="utf-8"?>
-<p:sld xmlns:a="http://schemas.openxmlformats.org/drawingml/2006/main" xmlns:r="http://schemas.openxmlformats.org/officeDocument/2006/relationships" xmlns:p="http://schemas.openxmlformats.org/presentationml/2006/main">
-  <p:cSld>
-    <p:spTree>
-      <p:nvGrpSpPr>
-        <p:cNvPr id="1" name=""/>
-        <p:cNvGrpSpPr/>
-        <p:nvPr/>
-      </p:nvGrpSpPr>
-      <p:grpSpPr>
-        <a:xfrm>
-          <a:off x="0" y="0"/>
-          <a:ext cx="0" cy="0"/>
-          <a:chOff x="0" y="0"/>
-          <a:chExt cx="0" cy="0"/>
-        </a:xfrm>
-      </p:grpSpPr>
-      <p:pic>
-        <p:nvPicPr>
-          <p:cNvPr id="3" name="Picture 2">
-            <a:extLst>
-              <a:ext uri="{FF2B5EF4-FFF2-40B4-BE49-F238E27FC236}">
-                <a16:creationId xmlns:a16="http://schemas.microsoft.com/office/drawing/2014/main" id="{17646F02-2C76-9852-4F6A-EF96B7C198B7}"/>
-              </a:ext>
-            </a:extLst>
-          </p:cNvPr>
-          <p:cNvPicPr>
-            <a:picLocks noChangeAspect="1"/>
-          </p:cNvPicPr>
-          <p:nvPr/>
-        </p:nvPicPr>
-        <p:blipFill>
-          <a:blip r:embed="rId2"/>
-          <a:stretch>
-            <a:fillRect/>
-          </a:stretch>
-        </p:blipFill>
-        <p:spPr>
-          <a:xfrm>
-            <a:off x="1528187" y="0"/>
-            <a:ext cx="9135626" cy="6858000"/>
-          </a:xfrm>
-          <a:prstGeom prst="rect">
-            <a:avLst/>
-          </a:prstGeom>
-        </p:spPr>
-      </p:pic>
-    </p:spTree>
-    <p:extLst>
-      <p:ext uri="{BB962C8B-B14F-4D97-AF65-F5344CB8AC3E}">
-        <p14:creationId xmlns:p14="http://schemas.microsoft.com/office/powerpoint/2010/main" val="1744071836"/>
+        <p14:creationId xmlns:p14="http://schemas.microsoft.com/office/powerpoint/2010/main" val="3699835329"/>
       </p:ext>
     </p:extLst>
   </p:cSld>
